--- a/C언어 기초(1031).pptx
+++ b/C언어 기초(1031).pptx
@@ -2,7 +2,7 @@
 <file path=ppt/presentation.xml><?xml version="1.0" encoding="utf-8"?>
 <p:presentation xmlns:r="http://schemas.openxmlformats.org/officeDocument/2006/relationships" xmlns:c="http://schemas.openxmlformats.org/drawingml/2006/chart" xmlns:a="http://schemas.openxmlformats.org/drawingml/2006/main" xmlns:dgm="http://schemas.openxmlformats.org/drawingml/2006/diagram" xmlns:dsp="http://schemas.microsoft.com/office/drawing/2008/diagram" xmlns:p="http://schemas.openxmlformats.org/presentationml/2006/main" saveSubsetFonts="1">
   <p:sldMasterIdLst>
-    <p:sldMasterId id="2147483689" r:id="rId1"/>
+    <p:sldMasterId id="2147483660" r:id="rId1"/>
   </p:sldMasterIdLst>
   <p:sldIdLst>
     <p:sldId id="256" r:id="rId2"/>
@@ -3091,7 +3091,7 @@
 </file>
 
 <file path=ppt/slides/slide1.xml><?xml version="1.0" encoding="utf-8"?>
-<p:sld xmlns:a="http://schemas.openxmlformats.org/drawingml/2006/main" xmlns:r="http://schemas.openxmlformats.org/officeDocument/2006/relationships" xmlns:p="http://schemas.openxmlformats.org/presentationml/2006/main">
+<p:sld xmlns:r="http://schemas.openxmlformats.org/officeDocument/2006/relationships" xmlns:c="http://schemas.openxmlformats.org/drawingml/2006/chart" xmlns:a="http://schemas.openxmlformats.org/drawingml/2006/main" xmlns:dgm="http://schemas.openxmlformats.org/drawingml/2006/diagram" xmlns:dsp="http://schemas.microsoft.com/office/drawing/2008/diagram" xmlns:p="http://schemas.openxmlformats.org/presentationml/2006/main">
   <p:cSld>
     <p:spTree>
       <p:nvGrpSpPr>
@@ -3114,7 +3114,7 @@
             <a:spLocks noGrp="1"/>
           </p:cNvSpPr>
           <p:nvPr>
-            <p:ph type="ctrTitle"/>
+            <p:ph type="ctrTitle" idx="0"/>
           </p:nvPr>
         </p:nvSpPr>
         <p:spPr/>
@@ -3122,15 +3122,18 @@
           <a:bodyPr/>
           <a:lstStyle/>
           <a:p>
-            <a:r>
-              <a:rPr lang="en-US" altLang="ko-KR" dirty="0" smtClean="0"/>
-              <a:t>C</a:t>
-            </a:r>
-            <a:r>
-              <a:rPr lang="ko-KR" altLang="en-US" dirty="0" smtClean="0"/>
+            <a:pPr lvl="0">
+              <a:defRPr/>
+            </a:pPr>
+            <a:r>
+              <a:rPr lang="en-US" altLang="ko-KR"/>
+              <a:t>Git Test C</a:t>
+            </a:r>
+            <a:r>
+              <a:rPr lang="ko-KR" altLang="en-US"/>
               <a:t>언어 기초</a:t>
             </a:r>
-            <a:endParaRPr lang="ko-KR" altLang="en-US" dirty="0"/>
+            <a:endParaRPr lang="ko-KR" altLang="en-US"/>
           </a:p>
         </p:txBody>
       </p:sp>
@@ -3149,20 +3152,30 @@
           <a:bodyPr/>
           <a:lstStyle/>
           <a:p>
+            <a:pPr lvl="0">
+              <a:defRPr/>
+            </a:pPr>
+            <a:r>
+              <a:rPr lang="ko-KR" altLang="en-US"/>
+              <a:t/>
+            </a:r>
             <a:endParaRPr lang="ko-KR" altLang="en-US"/>
           </a:p>
         </p:txBody>
       </p:sp>
     </p:spTree>
-    <p:extLst>
-      <p:ext uri="{BB962C8B-B14F-4D97-AF65-F5344CB8AC3E}">
-        <p14:creationId xmlns:p14="http://schemas.microsoft.com/office/powerpoint/2010/main" val="1903607183"/>
-      </p:ext>
-    </p:extLst>
   </p:cSld>
   <p:clrMapOvr>
     <a:masterClrMapping/>
   </p:clrMapOvr>
+  <mc:AlternateContent xmlns:mc="http://schemas.openxmlformats.org/markup-compatibility/2006">
+    <mc:Choice xmlns:p14="http://schemas.microsoft.com/office/powerpoint/2010/main" Requires="p14">
+      <p:transition xmlns:mc="http://schemas.openxmlformats.org/markup-compatibility/2006" xmlns:p14="http://schemas.microsoft.com/office/powerpoint/2010/main" mc:Ignorable="p14" p14:dur="500"/>
+    </mc:Choice>
+    <mc:Fallback>
+      <p:transition/>
+    </mc:Fallback>
+  </mc:AlternateContent>
 </p:sld>
 </file>
 
